--- a/Entregaveis/Livre Saúde +.pptx
+++ b/Entregaveis/Livre Saúde +.pptx
@@ -293,7 +293,7 @@
           <a:p>
             <a:fld id="{337F9277-AB02-4922-AB67-E6F173EFFCFF}" type="datetimeFigureOut">
               <a:rPr lang="pt-BR" smtClean="0"/>
-              <a:t>30/12/2021</a:t>
+              <a:t>04/01/2022</a:t>
             </a:fld>
             <a:endParaRPr lang="pt-BR"/>
           </a:p>
@@ -623,7 +623,7 @@
           <a:p>
             <a:fld id="{337F9277-AB02-4922-AB67-E6F173EFFCFF}" type="datetimeFigureOut">
               <a:rPr lang="pt-BR" smtClean="0"/>
-              <a:t>30/12/2021</a:t>
+              <a:t>04/01/2022</a:t>
             </a:fld>
             <a:endParaRPr lang="pt-BR"/>
           </a:p>
@@ -803,7 +803,7 @@
           <a:p>
             <a:fld id="{337F9277-AB02-4922-AB67-E6F173EFFCFF}" type="datetimeFigureOut">
               <a:rPr lang="pt-BR" smtClean="0"/>
-              <a:t>30/12/2021</a:t>
+              <a:t>04/01/2022</a:t>
             </a:fld>
             <a:endParaRPr lang="pt-BR"/>
           </a:p>
@@ -973,7 +973,7 @@
           <a:p>
             <a:fld id="{337F9277-AB02-4922-AB67-E6F173EFFCFF}" type="datetimeFigureOut">
               <a:rPr lang="pt-BR" smtClean="0"/>
-              <a:t>30/12/2021</a:t>
+              <a:t>04/01/2022</a:t>
             </a:fld>
             <a:endParaRPr lang="pt-BR"/>
           </a:p>
@@ -1250,7 +1250,7 @@
           <a:p>
             <a:fld id="{337F9277-AB02-4922-AB67-E6F173EFFCFF}" type="datetimeFigureOut">
               <a:rPr lang="pt-BR" smtClean="0"/>
-              <a:t>30/12/2021</a:t>
+              <a:t>04/01/2022</a:t>
             </a:fld>
             <a:endParaRPr lang="pt-BR"/>
           </a:p>
@@ -1644,7 +1644,7 @@
           <a:p>
             <a:fld id="{337F9277-AB02-4922-AB67-E6F173EFFCFF}" type="datetimeFigureOut">
               <a:rPr lang="pt-BR" smtClean="0"/>
-              <a:t>30/12/2021</a:t>
+              <a:t>04/01/2022</a:t>
             </a:fld>
             <a:endParaRPr lang="pt-BR"/>
           </a:p>
@@ -2121,7 +2121,7 @@
           <a:p>
             <a:fld id="{337F9277-AB02-4922-AB67-E6F173EFFCFF}" type="datetimeFigureOut">
               <a:rPr lang="pt-BR" smtClean="0"/>
-              <a:t>30/12/2021</a:t>
+              <a:t>04/01/2022</a:t>
             </a:fld>
             <a:endParaRPr lang="pt-BR"/>
           </a:p>
@@ -2239,7 +2239,7 @@
           <a:p>
             <a:fld id="{337F9277-AB02-4922-AB67-E6F173EFFCFF}" type="datetimeFigureOut">
               <a:rPr lang="pt-BR" smtClean="0"/>
-              <a:t>30/12/2021</a:t>
+              <a:t>04/01/2022</a:t>
             </a:fld>
             <a:endParaRPr lang="pt-BR"/>
           </a:p>
@@ -2334,7 +2334,7 @@
           <a:p>
             <a:fld id="{337F9277-AB02-4922-AB67-E6F173EFFCFF}" type="datetimeFigureOut">
               <a:rPr lang="pt-BR" smtClean="0"/>
-              <a:t>30/12/2021</a:t>
+              <a:t>04/01/2022</a:t>
             </a:fld>
             <a:endParaRPr lang="pt-BR"/>
           </a:p>
@@ -2680,7 +2680,7 @@
           <a:p>
             <a:fld id="{337F9277-AB02-4922-AB67-E6F173EFFCFF}" type="datetimeFigureOut">
               <a:rPr lang="pt-BR" smtClean="0"/>
-              <a:t>30/12/2021</a:t>
+              <a:t>04/01/2022</a:t>
             </a:fld>
             <a:endParaRPr lang="pt-BR"/>
           </a:p>
@@ -3068,7 +3068,7 @@
           <a:p>
             <a:fld id="{337F9277-AB02-4922-AB67-E6F173EFFCFF}" type="datetimeFigureOut">
               <a:rPr lang="pt-BR" smtClean="0"/>
-              <a:t>30/12/2021</a:t>
+              <a:t>04/01/2022</a:t>
             </a:fld>
             <a:endParaRPr lang="pt-BR"/>
           </a:p>
@@ -3346,7 +3346,7 @@
           <a:p>
             <a:fld id="{337F9277-AB02-4922-AB67-E6F173EFFCFF}" type="datetimeFigureOut">
               <a:rPr lang="pt-BR" smtClean="0"/>
-              <a:t>30/12/2021</a:t>
+              <a:t>04/01/2022</a:t>
             </a:fld>
             <a:endParaRPr lang="pt-BR"/>
           </a:p>
@@ -4395,7 +4395,7 @@
             </a:pPr>
             <a:r>
               <a:rPr lang="pt-BR" dirty="0"/>
-              <a:t>Marília</a:t>
+              <a:t>Everaldo(Vice-líder)</a:t>
             </a:r>
           </a:p>
           <a:p>
@@ -4405,7 +4405,7 @@
             </a:pPr>
             <a:r>
               <a:rPr lang="pt-BR" dirty="0"/>
-              <a:t>Anderson</a:t>
+              <a:t>Marília</a:t>
             </a:r>
           </a:p>
           <a:p>
@@ -4415,8 +4415,15 @@
             </a:pPr>
             <a:r>
               <a:rPr lang="pt-BR" dirty="0"/>
-              <a:t>Everaldo</a:t>
-            </a:r>
+              <a:t>Anderson</a:t>
+            </a:r>
+          </a:p>
+          <a:p>
+            <a:pPr marL="342900" indent="-342900" algn="l">
+              <a:buFont typeface="Arial" panose="020B0604020202020204" pitchFamily="34" charset="0"/>
+              <a:buChar char="•"/>
+            </a:pPr>
+            <a:endParaRPr lang="pt-BR" dirty="0"/>
           </a:p>
           <a:p>
             <a:endParaRPr lang="pt-BR" dirty="0"/>
@@ -4751,15 +4758,7 @@
             </a:br>
             <a:r>
               <a:rPr lang="pt-BR" dirty="0"/>
-              <a:t>Livre </a:t>
-            </a:r>
-            <a:r>
-              <a:rPr lang="pt-BR" dirty="0" err="1"/>
-              <a:t>Saude</a:t>
-            </a:r>
-            <a:r>
-              <a:rPr lang="pt-BR" dirty="0"/>
-              <a:t>+ Por um fornecimento de saúde mais justo e inclusivo!</a:t>
+              <a:t>Livre Saúde por um fornecimento de saúde mais justo e inclusivo!</a:t>
             </a:r>
           </a:p>
         </p:txBody>
@@ -5418,7 +5417,7 @@
             <a:pPr lvl="2"/>
             <a:r>
               <a:rPr lang="pt-BR" dirty="0"/>
-              <a:t>Atendimento Ruim devido a preconceito</a:t>
+              <a:t>Atendimento ruim devido a preconceito</a:t>
             </a:r>
           </a:p>
           <a:p>
